--- a/template/04_1.pptx
+++ b/template/04_1.pptx
@@ -712,7 +712,7 @@
         </p:nvSpPr>
         <p:spPr>
           <a:xfrm>
-            <a:off x="6096000" y="6094886"/>
+            <a:off x="3532257" y="6265803"/>
             <a:ext cx="5217160" cy="216000"/>
           </a:xfrm>
         </p:spPr>
@@ -1821,7 +1821,7 @@
           <a:bodyPr/>
           <a:lstStyle/>
           <a:p>
-            <a:endParaRPr lang="ru-RU"/>
+            <a:endParaRPr lang="ru-RU" dirty="0"/>
           </a:p>
         </p:txBody>
       </p:sp>
